--- a/Slides/Test Driven Development Microskills Class.pptx
+++ b/Slides/Test Driven Development Microskills Class.pptx
@@ -5,10 +5,10 @@
     <p:sldMasterId id="2147483697" r:id="rId1"/>
   </p:sldMasterIdLst>
   <p:notesMasterIdLst>
-    <p:notesMasterId r:id="rId21"/>
+    <p:notesMasterId r:id="rId22"/>
   </p:notesMasterIdLst>
   <p:handoutMasterIdLst>
-    <p:handoutMasterId r:id="rId22"/>
+    <p:handoutMasterId r:id="rId23"/>
   </p:handoutMasterIdLst>
   <p:sldIdLst>
     <p:sldId id="304" r:id="rId2"/>
@@ -16,20 +16,21 @@
     <p:sldId id="457" r:id="rId4"/>
     <p:sldId id="444" r:id="rId5"/>
     <p:sldId id="456" r:id="rId6"/>
-    <p:sldId id="454" r:id="rId7"/>
-    <p:sldId id="458" r:id="rId8"/>
-    <p:sldId id="452" r:id="rId9"/>
-    <p:sldId id="445" r:id="rId10"/>
-    <p:sldId id="459" r:id="rId11"/>
-    <p:sldId id="455" r:id="rId12"/>
-    <p:sldId id="446" r:id="rId13"/>
-    <p:sldId id="447" r:id="rId14"/>
-    <p:sldId id="448" r:id="rId15"/>
-    <p:sldId id="449" r:id="rId16"/>
-    <p:sldId id="451" r:id="rId17"/>
-    <p:sldId id="453" r:id="rId18"/>
-    <p:sldId id="442" r:id="rId19"/>
-    <p:sldId id="380" r:id="rId20"/>
+    <p:sldId id="460" r:id="rId7"/>
+    <p:sldId id="454" r:id="rId8"/>
+    <p:sldId id="458" r:id="rId9"/>
+    <p:sldId id="452" r:id="rId10"/>
+    <p:sldId id="445" r:id="rId11"/>
+    <p:sldId id="459" r:id="rId12"/>
+    <p:sldId id="455" r:id="rId13"/>
+    <p:sldId id="446" r:id="rId14"/>
+    <p:sldId id="447" r:id="rId15"/>
+    <p:sldId id="448" r:id="rId16"/>
+    <p:sldId id="449" r:id="rId17"/>
+    <p:sldId id="451" r:id="rId18"/>
+    <p:sldId id="453" r:id="rId19"/>
+    <p:sldId id="442" r:id="rId20"/>
+    <p:sldId id="380" r:id="rId21"/>
   </p:sldIdLst>
   <p:sldSz cx="9144000" cy="5143500" type="screen16x9"/>
   <p:notesSz cx="6985000" cy="9283700"/>
@@ -810,7 +811,7 @@
             <a:fld id="{D17BE924-8CD5-4AD5-ADF7-A3BCBB2E45DF}" type="slidenum">
               <a:rPr lang="en-US" smtClean="0"/>
               <a:pPr/>
-              <a:t>19</a:t>
+              <a:t>20</a:t>
             </a:fld>
             <a:endParaRPr lang="en-US"/>
           </a:p>
@@ -2971,12 +2972,8 @@
           <a:p>
             <a:pPr algn="ctr"/>
             <a:r>
-              <a:rPr lang="en-US" sz="6600" dirty="0"/>
-              <a:t>Consume 1st </a:t>
-            </a:r>
-            <a:r>
               <a:rPr lang="en-US" sz="6600" dirty="0" smtClean="0"/>
-              <a:t>programming</a:t>
+              <a:t>Crafting thru tests</a:t>
             </a:r>
             <a:endParaRPr lang="en-US" sz="6600" dirty="0"/>
           </a:p>
@@ -2990,8 +2987,8 @@
         </p:nvSpPr>
         <p:spPr>
           <a:xfrm>
-            <a:off x="7535030" y="4400550"/>
-            <a:ext cx="1539905" cy="646331"/>
+            <a:off x="7743095" y="4400550"/>
+            <a:ext cx="1331840" cy="646331"/>
           </a:xfrm>
           <a:prstGeom prst="rect">
             <a:avLst/>
@@ -3007,7 +3004,7 @@
             <a:pPr algn="r"/>
             <a:r>
               <a:rPr lang="en-US" sz="3600" b="1" dirty="0" smtClean="0"/>
-              <a:t>Google</a:t>
+              <a:t>Demo</a:t>
             </a:r>
             <a:endParaRPr lang="en-US" b="1" dirty="0"/>
           </a:p>
@@ -3016,7 +3013,7 @@
     </p:spTree>
     <p:extLst>
       <p:ext uri="{BB962C8B-B14F-4D97-AF65-F5344CB8AC3E}">
-        <p14:creationId xmlns:p14="http://schemas.microsoft.com/office/powerpoint/2010/main" val="2396176076"/>
+        <p14:creationId xmlns:p14="http://schemas.microsoft.com/office/powerpoint/2010/main" val="435286874"/>
       </p:ext>
     </p:extLst>
   </p:cSld>
@@ -3074,8 +3071,12 @@
           <a:p>
             <a:pPr algn="ctr"/>
             <a:r>
+              <a:rPr lang="en-US" sz="6600" dirty="0"/>
+              <a:t>Consume 1st </a:t>
+            </a:r>
+            <a:r>
               <a:rPr lang="en-US" sz="6600" dirty="0" smtClean="0"/>
-              <a:t>Visualizing State</a:t>
+              <a:t>programming</a:t>
             </a:r>
             <a:endParaRPr lang="en-US" sz="6600" dirty="0"/>
           </a:p>
@@ -3105,7 +3106,7 @@
           <a:p>
             <a:pPr algn="r"/>
             <a:r>
-              <a:rPr lang="en-US" sz="3600" b="1" smtClean="0"/>
+              <a:rPr lang="en-US" sz="3600" b="1" dirty="0" smtClean="0"/>
               <a:t>Google</a:t>
             </a:r>
             <a:endParaRPr lang="en-US" b="1" dirty="0"/>
@@ -3115,7 +3116,7 @@
     </p:spTree>
     <p:extLst>
       <p:ext uri="{BB962C8B-B14F-4D97-AF65-F5344CB8AC3E}">
-        <p14:creationId xmlns:p14="http://schemas.microsoft.com/office/powerpoint/2010/main" val="4111770244"/>
+        <p14:creationId xmlns:p14="http://schemas.microsoft.com/office/powerpoint/2010/main" val="2396176076"/>
       </p:ext>
     </p:extLst>
   </p:cSld>
@@ -3173,12 +3174,8 @@
           <a:p>
             <a:pPr algn="ctr"/>
             <a:r>
-              <a:rPr lang="en-US" sz="6600" dirty="0"/>
-              <a:t>Using your Editor </a:t>
-            </a:r>
-            <a:r>
               <a:rPr lang="en-US" sz="6600" dirty="0" smtClean="0"/>
-              <a:t>effectively</a:t>
+              <a:t>Visualizing State</a:t>
             </a:r>
             <a:endParaRPr lang="en-US" sz="6600" dirty="0"/>
           </a:p>
@@ -3192,8 +3189,8 @@
         </p:nvSpPr>
         <p:spPr>
           <a:xfrm>
-            <a:off x="7990834" y="4400550"/>
-            <a:ext cx="1084101" cy="646331"/>
+            <a:off x="7535030" y="4400550"/>
+            <a:ext cx="1539905" cy="646331"/>
           </a:xfrm>
           <a:prstGeom prst="rect">
             <a:avLst/>
@@ -3208,8 +3205,8 @@
           <a:p>
             <a:pPr algn="r"/>
             <a:r>
-              <a:rPr lang="en-US" sz="3600" b="1" dirty="0" smtClean="0"/>
-              <a:t>Mob</a:t>
+              <a:rPr lang="en-US" sz="3600" b="1" smtClean="0"/>
+              <a:t>Google</a:t>
             </a:r>
             <a:endParaRPr lang="en-US" b="1" dirty="0"/>
           </a:p>
@@ -3218,7 +3215,7 @@
     </p:spTree>
     <p:extLst>
       <p:ext uri="{BB962C8B-B14F-4D97-AF65-F5344CB8AC3E}">
-        <p14:creationId xmlns:p14="http://schemas.microsoft.com/office/powerpoint/2010/main" val="435286874"/>
+        <p14:creationId xmlns:p14="http://schemas.microsoft.com/office/powerpoint/2010/main" val="4111770244"/>
       </p:ext>
     </p:extLst>
   </p:cSld>
@@ -3277,8 +3274,13 @@
             <a:pPr algn="ctr"/>
             <a:r>
               <a:rPr lang="en-US" sz="6600" dirty="0"/>
-              <a:t>Using Coverage</a:t>
-            </a:r>
+              <a:t>Using your Editor </a:t>
+            </a:r>
+            <a:r>
+              <a:rPr lang="en-US" sz="6600" dirty="0" smtClean="0"/>
+              <a:t>effectively</a:t>
+            </a:r>
+            <a:endParaRPr lang="en-US" sz="6600" dirty="0"/>
           </a:p>
         </p:txBody>
       </p:sp>
@@ -3290,8 +3292,8 @@
         </p:nvSpPr>
         <p:spPr>
           <a:xfrm>
-            <a:off x="6879051" y="4400550"/>
-            <a:ext cx="2195884" cy="646331"/>
+            <a:off x="7990834" y="4400550"/>
+            <a:ext cx="1084101" cy="646331"/>
           </a:xfrm>
           <a:prstGeom prst="rect">
             <a:avLst/>
@@ -3307,7 +3309,7 @@
             <a:pPr algn="r"/>
             <a:r>
               <a:rPr lang="en-US" sz="3600" b="1" dirty="0" smtClean="0"/>
-              <a:t>Functional</a:t>
+              <a:t>Mob</a:t>
             </a:r>
             <a:endParaRPr lang="en-US" b="1" dirty="0"/>
           </a:p>
@@ -3375,13 +3377,8 @@
             <a:pPr algn="ctr"/>
             <a:r>
               <a:rPr lang="en-US" sz="6600" dirty="0"/>
-              <a:t>Separating </a:t>
-            </a:r>
-            <a:r>
-              <a:rPr lang="en-US" sz="6600" dirty="0" smtClean="0"/>
-              <a:t>code</a:t>
-            </a:r>
-            <a:endParaRPr lang="en-US" sz="6600" dirty="0"/>
+              <a:t>Using Coverage</a:t>
+            </a:r>
           </a:p>
         </p:txBody>
       </p:sp>
@@ -3393,8 +3390,8 @@
         </p:nvSpPr>
         <p:spPr>
           <a:xfrm>
-            <a:off x="6661744" y="4400550"/>
-            <a:ext cx="2413191" cy="646331"/>
+            <a:off x="6879051" y="4400550"/>
+            <a:ext cx="2195884" cy="646331"/>
           </a:xfrm>
           <a:prstGeom prst="rect">
             <a:avLst/>
@@ -3410,7 +3407,7 @@
             <a:pPr algn="r"/>
             <a:r>
               <a:rPr lang="en-US" sz="3600" b="1" dirty="0" smtClean="0"/>
-              <a:t>Peel &amp; Slice</a:t>
+              <a:t>Functional</a:t>
             </a:r>
             <a:endParaRPr lang="en-US" b="1" dirty="0"/>
           </a:p>
@@ -3478,8 +3475,13 @@
             <a:pPr algn="ctr"/>
             <a:r>
               <a:rPr lang="en-US" sz="6600" dirty="0"/>
-              <a:t>Removing Duplication</a:t>
-            </a:r>
+              <a:t>Separating </a:t>
+            </a:r>
+            <a:r>
+              <a:rPr lang="en-US" sz="6600" dirty="0" smtClean="0"/>
+              <a:t>code</a:t>
+            </a:r>
+            <a:endParaRPr lang="en-US" sz="6600" dirty="0"/>
           </a:p>
         </p:txBody>
       </p:sp>
@@ -3491,8 +3493,8 @@
         </p:nvSpPr>
         <p:spPr>
           <a:xfrm>
-            <a:off x="7954992" y="4400550"/>
-            <a:ext cx="1119943" cy="646331"/>
+            <a:off x="6661744" y="4400550"/>
+            <a:ext cx="2413191" cy="646331"/>
           </a:xfrm>
           <a:prstGeom prst="rect">
             <a:avLst/>
@@ -3508,7 +3510,7 @@
             <a:pPr algn="r"/>
             <a:r>
               <a:rPr lang="en-US" sz="3600" b="1" dirty="0" smtClean="0"/>
-              <a:t>Pairs</a:t>
+              <a:t>Peel &amp; Slice</a:t>
             </a:r>
             <a:endParaRPr lang="en-US" b="1" dirty="0"/>
           </a:p>
@@ -3517,7 +3519,7 @@
     </p:spTree>
     <p:extLst>
       <p:ext uri="{BB962C8B-B14F-4D97-AF65-F5344CB8AC3E}">
-        <p14:creationId xmlns:p14="http://schemas.microsoft.com/office/powerpoint/2010/main" val="4193083537"/>
+        <p14:creationId xmlns:p14="http://schemas.microsoft.com/office/powerpoint/2010/main" val="435286874"/>
       </p:ext>
     </p:extLst>
   </p:cSld>
@@ -3576,13 +3578,8 @@
             <a:pPr algn="ctr"/>
             <a:r>
               <a:rPr lang="en-US" sz="6600" dirty="0"/>
-              <a:t>Fake it till you make </a:t>
-            </a:r>
-            <a:r>
-              <a:rPr lang="en-US" sz="6600" dirty="0" smtClean="0"/>
-              <a:t>it</a:t>
-            </a:r>
-            <a:endParaRPr lang="en-US" sz="6600" dirty="0"/>
+              <a:t>Removing Duplication</a:t>
+            </a:r>
           </a:p>
         </p:txBody>
       </p:sp>
@@ -3678,8 +3675,12 @@
           <a:p>
             <a:pPr algn="ctr"/>
             <a:r>
+              <a:rPr lang="en-US" sz="6600" dirty="0"/>
+              <a:t>Fake it till you make </a:t>
+            </a:r>
+            <a:r>
               <a:rPr lang="en-US" sz="6600" dirty="0" smtClean="0"/>
-              <a:t>Check In</a:t>
+              <a:t>it</a:t>
             </a:r>
             <a:endParaRPr lang="en-US" sz="6600" dirty="0"/>
           </a:p>
@@ -3693,8 +3694,8 @@
         </p:nvSpPr>
         <p:spPr>
           <a:xfrm>
-            <a:off x="7990834" y="4400550"/>
-            <a:ext cx="1084101" cy="646331"/>
+            <a:off x="7954992" y="4400550"/>
+            <a:ext cx="1119943" cy="646331"/>
           </a:xfrm>
           <a:prstGeom prst="rect">
             <a:avLst/>
@@ -3710,7 +3711,7 @@
             <a:pPr algn="r"/>
             <a:r>
               <a:rPr lang="en-US" sz="3600" b="1" dirty="0" smtClean="0"/>
-              <a:t>Mob</a:t>
+              <a:t>Pairs</a:t>
             </a:r>
             <a:endParaRPr lang="en-US" b="1" dirty="0"/>
           </a:p>
@@ -3719,7 +3720,7 @@
     </p:spTree>
     <p:extLst>
       <p:ext uri="{BB962C8B-B14F-4D97-AF65-F5344CB8AC3E}">
-        <p14:creationId xmlns:p14="http://schemas.microsoft.com/office/powerpoint/2010/main" val="3974021172"/>
+        <p14:creationId xmlns:p14="http://schemas.microsoft.com/office/powerpoint/2010/main" val="4193083537"/>
       </p:ext>
     </p:extLst>
   </p:cSld>
@@ -3765,6 +3766,105 @@
         </p:nvSpPr>
         <p:spPr>
           <a:xfrm>
+            <a:off x="0" y="0"/>
+            <a:ext cx="9144000" cy="5143500"/>
+          </a:xfrm>
+        </p:spPr>
+        <p:txBody>
+          <a:bodyPr anchor="ctr">
+            <a:normAutofit/>
+          </a:bodyPr>
+          <a:lstStyle/>
+          <a:p>
+            <a:pPr algn="ctr"/>
+            <a:r>
+              <a:rPr lang="en-US" sz="6600" dirty="0" smtClean="0"/>
+              <a:t>Check In</a:t>
+            </a:r>
+            <a:endParaRPr lang="en-US" sz="6600" dirty="0"/>
+          </a:p>
+        </p:txBody>
+      </p:sp>
+      <p:sp>
+        <p:nvSpPr>
+          <p:cNvPr id="3" name="TextBox 2"/>
+          <p:cNvSpPr txBox="1"/>
+          <p:nvPr/>
+        </p:nvSpPr>
+        <p:spPr>
+          <a:xfrm>
+            <a:off x="7990834" y="4400550"/>
+            <a:ext cx="1084101" cy="646331"/>
+          </a:xfrm>
+          <a:prstGeom prst="rect">
+            <a:avLst/>
+          </a:prstGeom>
+          <a:noFill/>
+        </p:spPr>
+        <p:txBody>
+          <a:bodyPr wrap="none" rtlCol="0">
+            <a:spAutoFit/>
+          </a:bodyPr>
+          <a:lstStyle/>
+          <a:p>
+            <a:pPr algn="r"/>
+            <a:r>
+              <a:rPr lang="en-US" sz="3600" b="1" dirty="0" smtClean="0"/>
+              <a:t>Mob</a:t>
+            </a:r>
+            <a:endParaRPr lang="en-US" b="1" dirty="0"/>
+          </a:p>
+        </p:txBody>
+      </p:sp>
+    </p:spTree>
+    <p:extLst>
+      <p:ext uri="{BB962C8B-B14F-4D97-AF65-F5344CB8AC3E}">
+        <p14:creationId xmlns:p14="http://schemas.microsoft.com/office/powerpoint/2010/main" val="3974021172"/>
+      </p:ext>
+    </p:extLst>
+  </p:cSld>
+  <p:clrMapOvr>
+    <a:masterClrMapping/>
+  </p:clrMapOvr>
+  <p:timing>
+    <p:tnLst>
+      <p:par>
+        <p:cTn xmlns:p14="http://schemas.microsoft.com/office/powerpoint/2010/main" id="1" dur="indefinite" restart="never" nodeType="tmRoot"/>
+      </p:par>
+    </p:tnLst>
+  </p:timing>
+</p:sld>
+</file>
+
+<file path=ppt/slides/slide19.xml><?xml version="1.0" encoding="utf-8"?>
+<p:sld xmlns:a="http://schemas.openxmlformats.org/drawingml/2006/main" xmlns:r="http://schemas.openxmlformats.org/officeDocument/2006/relationships" xmlns:p="http://schemas.openxmlformats.org/presentationml/2006/main">
+  <p:cSld>
+    <p:spTree>
+      <p:nvGrpSpPr>
+        <p:cNvPr id="1" name=""/>
+        <p:cNvGrpSpPr/>
+        <p:nvPr/>
+      </p:nvGrpSpPr>
+      <p:grpSpPr>
+        <a:xfrm>
+          <a:off x="0" y="0"/>
+          <a:ext cx="0" cy="0"/>
+          <a:chOff x="0" y="0"/>
+          <a:chExt cx="0" cy="0"/>
+        </a:xfrm>
+      </p:grpSpPr>
+      <p:sp>
+        <p:nvSpPr>
+          <p:cNvPr id="2" name="Title 1"/>
+          <p:cNvSpPr>
+            <a:spLocks noGrp="1"/>
+          </p:cNvSpPr>
+          <p:nvPr>
+            <p:ph type="ctrTitle"/>
+          </p:nvPr>
+        </p:nvSpPr>
+        <p:spPr>
+          <a:xfrm>
             <a:off x="76200" y="438150"/>
             <a:ext cx="2209800" cy="3581400"/>
           </a:xfrm>
@@ -3854,7 +3954,113 @@
 </p:sld>
 </file>
 
-<file path=ppt/slides/slide19.xml><?xml version="1.0" encoding="utf-8"?>
+<file path=ppt/slides/slide2.xml><?xml version="1.0" encoding="utf-8"?>
+<p:sld xmlns:a="http://schemas.openxmlformats.org/drawingml/2006/main" xmlns:r="http://schemas.openxmlformats.org/officeDocument/2006/relationships" xmlns:p="http://schemas.openxmlformats.org/presentationml/2006/main">
+  <p:cSld>
+    <p:spTree>
+      <p:nvGrpSpPr>
+        <p:cNvPr id="1" name=""/>
+        <p:cNvGrpSpPr/>
+        <p:nvPr/>
+      </p:nvGrpSpPr>
+      <p:grpSpPr>
+        <a:xfrm>
+          <a:off x="0" y="0"/>
+          <a:ext cx="0" cy="0"/>
+          <a:chOff x="0" y="0"/>
+          <a:chExt cx="0" cy="0"/>
+        </a:xfrm>
+      </p:grpSpPr>
+      <p:sp>
+        <p:nvSpPr>
+          <p:cNvPr id="2" name="Title 1"/>
+          <p:cNvSpPr>
+            <a:spLocks noGrp="1"/>
+          </p:cNvSpPr>
+          <p:nvPr>
+            <p:ph type="ctrTitle"/>
+          </p:nvPr>
+        </p:nvSpPr>
+        <p:spPr>
+          <a:xfrm>
+            <a:off x="0" y="0"/>
+            <a:ext cx="9144000" cy="5143500"/>
+          </a:xfrm>
+        </p:spPr>
+        <p:txBody>
+          <a:bodyPr anchor="ctr">
+            <a:normAutofit/>
+          </a:bodyPr>
+          <a:lstStyle/>
+          <a:p>
+            <a:pPr algn="ctr"/>
+            <a:r>
+              <a:rPr lang="en-US" sz="6600" dirty="0" smtClean="0"/>
+              <a:t>Getting to know </a:t>
+            </a:r>
+            <a:br>
+              <a:rPr lang="en-US" sz="6600" dirty="0" smtClean="0"/>
+            </a:br>
+            <a:r>
+              <a:rPr lang="en-US" sz="6600" dirty="0" smtClean="0"/>
+              <a:t>each other</a:t>
+            </a:r>
+            <a:endParaRPr lang="en-US" sz="6600" dirty="0"/>
+          </a:p>
+        </p:txBody>
+      </p:sp>
+      <p:sp>
+        <p:nvSpPr>
+          <p:cNvPr id="3" name="TextBox 2"/>
+          <p:cNvSpPr txBox="1"/>
+          <p:nvPr/>
+        </p:nvSpPr>
+        <p:spPr>
+          <a:xfrm>
+            <a:off x="7917347" y="4400550"/>
+            <a:ext cx="1157588" cy="646331"/>
+          </a:xfrm>
+          <a:prstGeom prst="rect">
+            <a:avLst/>
+          </a:prstGeom>
+          <a:noFill/>
+        </p:spPr>
+        <p:txBody>
+          <a:bodyPr wrap="none" rtlCol="0">
+            <a:spAutoFit/>
+          </a:bodyPr>
+          <a:lstStyle/>
+          <a:p>
+            <a:pPr algn="r"/>
+            <a:r>
+              <a:rPr lang="en-US" sz="3600" b="1" dirty="0" smtClean="0"/>
+              <a:t>Lines</a:t>
+            </a:r>
+            <a:endParaRPr lang="en-US" b="1" dirty="0"/>
+          </a:p>
+        </p:txBody>
+      </p:sp>
+    </p:spTree>
+    <p:extLst>
+      <p:ext uri="{BB962C8B-B14F-4D97-AF65-F5344CB8AC3E}">
+        <p14:creationId xmlns:p14="http://schemas.microsoft.com/office/powerpoint/2010/main" val="2669689464"/>
+      </p:ext>
+    </p:extLst>
+  </p:cSld>
+  <p:clrMapOvr>
+    <a:masterClrMapping/>
+  </p:clrMapOvr>
+  <p:timing>
+    <p:tnLst>
+      <p:par>
+        <p:cTn xmlns:p14="http://schemas.microsoft.com/office/powerpoint/2010/main" id="1" dur="indefinite" restart="never" nodeType="tmRoot"/>
+      </p:par>
+    </p:tnLst>
+  </p:timing>
+</p:sld>
+</file>
+
+<file path=ppt/slides/slide20.xml><?xml version="1.0" encoding="utf-8"?>
 <p:sld xmlns:a="http://schemas.openxmlformats.org/drawingml/2006/main" xmlns:r="http://schemas.openxmlformats.org/officeDocument/2006/relationships" xmlns:p="http://schemas.openxmlformats.org/presentationml/2006/main">
   <p:cSld>
     <p:spTree>
@@ -4101,112 +4307,6 @@
     <p:extLst>
       <p:ext uri="{BB962C8B-B14F-4D97-AF65-F5344CB8AC3E}">
         <p14:creationId xmlns:p14="http://schemas.microsoft.com/office/powerpoint/2010/main" val="2841206692"/>
-      </p:ext>
-    </p:extLst>
-  </p:cSld>
-  <p:clrMapOvr>
-    <a:masterClrMapping/>
-  </p:clrMapOvr>
-  <p:timing>
-    <p:tnLst>
-      <p:par>
-        <p:cTn xmlns:p14="http://schemas.microsoft.com/office/powerpoint/2010/main" id="1" dur="indefinite" restart="never" nodeType="tmRoot"/>
-      </p:par>
-    </p:tnLst>
-  </p:timing>
-</p:sld>
-</file>
-
-<file path=ppt/slides/slide2.xml><?xml version="1.0" encoding="utf-8"?>
-<p:sld xmlns:a="http://schemas.openxmlformats.org/drawingml/2006/main" xmlns:r="http://schemas.openxmlformats.org/officeDocument/2006/relationships" xmlns:p="http://schemas.openxmlformats.org/presentationml/2006/main">
-  <p:cSld>
-    <p:spTree>
-      <p:nvGrpSpPr>
-        <p:cNvPr id="1" name=""/>
-        <p:cNvGrpSpPr/>
-        <p:nvPr/>
-      </p:nvGrpSpPr>
-      <p:grpSpPr>
-        <a:xfrm>
-          <a:off x="0" y="0"/>
-          <a:ext cx="0" cy="0"/>
-          <a:chOff x="0" y="0"/>
-          <a:chExt cx="0" cy="0"/>
-        </a:xfrm>
-      </p:grpSpPr>
-      <p:sp>
-        <p:nvSpPr>
-          <p:cNvPr id="2" name="Title 1"/>
-          <p:cNvSpPr>
-            <a:spLocks noGrp="1"/>
-          </p:cNvSpPr>
-          <p:nvPr>
-            <p:ph type="ctrTitle"/>
-          </p:nvPr>
-        </p:nvSpPr>
-        <p:spPr>
-          <a:xfrm>
-            <a:off x="0" y="0"/>
-            <a:ext cx="9144000" cy="5143500"/>
-          </a:xfrm>
-        </p:spPr>
-        <p:txBody>
-          <a:bodyPr anchor="ctr">
-            <a:normAutofit/>
-          </a:bodyPr>
-          <a:lstStyle/>
-          <a:p>
-            <a:pPr algn="ctr"/>
-            <a:r>
-              <a:rPr lang="en-US" sz="6600" dirty="0" smtClean="0"/>
-              <a:t>Getting to know </a:t>
-            </a:r>
-            <a:br>
-              <a:rPr lang="en-US" sz="6600" dirty="0" smtClean="0"/>
-            </a:br>
-            <a:r>
-              <a:rPr lang="en-US" sz="6600" dirty="0" smtClean="0"/>
-              <a:t>each other</a:t>
-            </a:r>
-            <a:endParaRPr lang="en-US" sz="6600" dirty="0"/>
-          </a:p>
-        </p:txBody>
-      </p:sp>
-      <p:sp>
-        <p:nvSpPr>
-          <p:cNvPr id="3" name="TextBox 2"/>
-          <p:cNvSpPr txBox="1"/>
-          <p:nvPr/>
-        </p:nvSpPr>
-        <p:spPr>
-          <a:xfrm>
-            <a:off x="7917347" y="4400550"/>
-            <a:ext cx="1157588" cy="646331"/>
-          </a:xfrm>
-          <a:prstGeom prst="rect">
-            <a:avLst/>
-          </a:prstGeom>
-          <a:noFill/>
-        </p:spPr>
-        <p:txBody>
-          <a:bodyPr wrap="none" rtlCol="0">
-            <a:spAutoFit/>
-          </a:bodyPr>
-          <a:lstStyle/>
-          <a:p>
-            <a:pPr algn="r"/>
-            <a:r>
-              <a:rPr lang="en-US" sz="3600" b="1" dirty="0" smtClean="0"/>
-              <a:t>Lines</a:t>
-            </a:r>
-            <a:endParaRPr lang="en-US" b="1" dirty="0"/>
-          </a:p>
-        </p:txBody>
-      </p:sp>
-    </p:spTree>
-    <p:extLst>
-      <p:ext uri="{BB962C8B-B14F-4D97-AF65-F5344CB8AC3E}">
-        <p14:creationId xmlns:p14="http://schemas.microsoft.com/office/powerpoint/2010/main" val="2669689464"/>
       </p:ext>
     </p:extLst>
   </p:cSld>
@@ -4994,76 +5094,39 @@
           <a:chExt cx="0" cy="0"/>
         </a:xfrm>
       </p:grpSpPr>
-      <p:sp>
-        <p:nvSpPr>
-          <p:cNvPr id="2" name="Title 1"/>
-          <p:cNvSpPr>
-            <a:spLocks noGrp="1"/>
-          </p:cNvSpPr>
-          <p:nvPr>
-            <p:ph type="ctrTitle"/>
-          </p:nvPr>
-        </p:nvSpPr>
-        <p:spPr>
-          <a:xfrm>
-            <a:off x="0" y="0"/>
-            <a:ext cx="9144000" cy="5143500"/>
-          </a:xfrm>
-        </p:spPr>
-        <p:txBody>
-          <a:bodyPr anchor="ctr">
-            <a:normAutofit/>
-          </a:bodyPr>
-          <a:lstStyle/>
-          <a:p>
-            <a:pPr algn="ctr"/>
-            <a:r>
-              <a:rPr lang="en-US" sz="6600" dirty="0"/>
-              <a:t>Writing </a:t>
-            </a:r>
-            <a:r>
-              <a:rPr lang="en-US" sz="6600" dirty="0" smtClean="0"/>
-              <a:t>scenarios</a:t>
-            </a:r>
-            <a:endParaRPr lang="en-US" sz="6600" dirty="0"/>
-          </a:p>
-        </p:txBody>
-      </p:sp>
-      <p:sp>
-        <p:nvSpPr>
-          <p:cNvPr id="3" name="TextBox 2"/>
-          <p:cNvSpPr txBox="1"/>
+      <p:pic>
+        <p:nvPicPr>
+          <p:cNvPr id="5" name="Picture 4" descr="Screen Shot 2018-05-08 at 8.17.40 AM.png"/>
+          <p:cNvPicPr>
+            <a:picLocks noChangeAspect="1"/>
+          </p:cNvPicPr>
           <p:nvPr/>
-        </p:nvSpPr>
-        <p:spPr>
-          <a:xfrm>
-            <a:off x="7772400" y="4400550"/>
-            <a:ext cx="1302535" cy="646331"/>
+        </p:nvPicPr>
+        <p:blipFill rotWithShape="1">
+          <a:blip r:embed="rId2">
+            <a:extLst>
+              <a:ext uri="{28A0092B-C50C-407E-A947-70E740481C1C}">
+                <a14:useLocalDpi xmlns:a14="http://schemas.microsoft.com/office/drawing/2010/main" val="0"/>
+              </a:ext>
+            </a:extLst>
+          </a:blip>
+          <a:srcRect l="22311" t="18531" r="13057" b="59072"/>
+          <a:stretch/>
+        </p:blipFill>
+        <p:spPr>
+          <a:xfrm>
+            <a:off x="74374" y="1885950"/>
+            <a:ext cx="8698270" cy="1303178"/>
           </a:xfrm>
           <a:prstGeom prst="rect">
             <a:avLst/>
           </a:prstGeom>
-          <a:noFill/>
-        </p:spPr>
-        <p:txBody>
-          <a:bodyPr wrap="none" rtlCol="0">
-            <a:spAutoFit/>
-          </a:bodyPr>
-          <a:lstStyle/>
-          <a:p>
-            <a:pPr algn="r"/>
-            <a:r>
-              <a:rPr lang="en-US" sz="3600" b="1" dirty="0" smtClean="0"/>
-              <a:t>Paper</a:t>
-            </a:r>
-            <a:endParaRPr lang="en-US" b="1" dirty="0"/>
-          </a:p>
-        </p:txBody>
-      </p:sp>
+        </p:spPr>
+      </p:pic>
     </p:spTree>
     <p:extLst>
       <p:ext uri="{BB962C8B-B14F-4D97-AF65-F5344CB8AC3E}">
-        <p14:creationId xmlns:p14="http://schemas.microsoft.com/office/powerpoint/2010/main" val="1825359632"/>
+        <p14:creationId xmlns:p14="http://schemas.microsoft.com/office/powerpoint/2010/main" val="1292824769"/>
       </p:ext>
     </p:extLst>
   </p:cSld>
@@ -5099,334 +5162,74 @@
       </p:grpSpPr>
       <p:sp>
         <p:nvSpPr>
-          <p:cNvPr id="3" name="Subtitle 2"/>
+          <p:cNvPr id="2" name="Title 1"/>
           <p:cNvSpPr>
             <a:spLocks noGrp="1"/>
           </p:cNvSpPr>
           <p:nvPr>
-            <p:ph type="subTitle" idx="1"/>
-          </p:nvPr>
-        </p:nvSpPr>
-        <p:spPr>
-          <a:xfrm>
-            <a:off x="685800" y="285750"/>
-            <a:ext cx="6400800" cy="4191000"/>
-          </a:xfrm>
-        </p:spPr>
-        <p:txBody>
-          <a:bodyPr>
-            <a:noAutofit/>
+            <p:ph type="ctrTitle"/>
+          </p:nvPr>
+        </p:nvSpPr>
+        <p:spPr>
+          <a:xfrm>
+            <a:off x="0" y="0"/>
+            <a:ext cx="9144000" cy="5143500"/>
+          </a:xfrm>
+        </p:spPr>
+        <p:txBody>
+          <a:bodyPr anchor="ctr">
+            <a:normAutofit/>
           </a:bodyPr>
           <a:lstStyle/>
           <a:p>
-            <a:pPr>
-              <a:lnSpc>
-                <a:spcPct val="60000"/>
-              </a:lnSpc>
-            </a:pPr>
-            <a:r>
-              <a:rPr lang="en-US" sz="1400" dirty="0">
-                <a:latin typeface="Arial"/>
-                <a:cs typeface="Arial"/>
-              </a:rPr>
-              <a:t>1.   Minesweeper</a:t>
-            </a:r>
-          </a:p>
-          <a:p>
-            <a:pPr>
-              <a:lnSpc>
-                <a:spcPct val="60000"/>
-              </a:lnSpc>
-            </a:pPr>
-            <a:endParaRPr lang="en-US" sz="1400" dirty="0">
-              <a:latin typeface="Arial"/>
-              <a:cs typeface="Arial"/>
-            </a:endParaRPr>
-          </a:p>
-          <a:p>
-            <a:pPr>
-              <a:lnSpc>
-                <a:spcPct val="60000"/>
-              </a:lnSpc>
-            </a:pPr>
-            <a:r>
-              <a:rPr lang="en-US" sz="1400" dirty="0">
-                <a:latin typeface="Arial"/>
-                <a:cs typeface="Arial"/>
-              </a:rPr>
-              <a:t>2.   </a:t>
-            </a:r>
-            <a:r>
-              <a:rPr lang="en-US" sz="1400" dirty="0" err="1">
-                <a:latin typeface="Arial"/>
-                <a:cs typeface="Arial"/>
-              </a:rPr>
-              <a:t>othello</a:t>
-            </a:r>
-            <a:r>
-              <a:rPr lang="en-US" sz="1400" dirty="0">
-                <a:latin typeface="Arial"/>
-                <a:cs typeface="Arial"/>
-              </a:rPr>
-              <a:t> (</a:t>
-            </a:r>
-            <a:r>
-              <a:rPr lang="en-US" sz="1400" dirty="0" err="1">
-                <a:latin typeface="Arial"/>
-                <a:cs typeface="Arial"/>
-              </a:rPr>
-              <a:t>reversi</a:t>
-            </a:r>
-            <a:r>
-              <a:rPr lang="en-US" sz="1400" dirty="0">
-                <a:latin typeface="Arial"/>
-                <a:cs typeface="Arial"/>
-              </a:rPr>
-              <a:t>)</a:t>
-            </a:r>
-          </a:p>
-          <a:p>
-            <a:pPr>
-              <a:lnSpc>
-                <a:spcPct val="60000"/>
-              </a:lnSpc>
-            </a:pPr>
-            <a:endParaRPr lang="en-US" sz="1400" dirty="0">
-              <a:latin typeface="Arial"/>
-              <a:cs typeface="Arial"/>
-            </a:endParaRPr>
-          </a:p>
-          <a:p>
-            <a:pPr>
-              <a:lnSpc>
-                <a:spcPct val="60000"/>
-              </a:lnSpc>
-            </a:pPr>
-            <a:r>
-              <a:rPr lang="en-US" sz="1400" dirty="0">
-                <a:latin typeface="Arial"/>
-                <a:cs typeface="Arial"/>
-              </a:rPr>
-              <a:t>3.   chess</a:t>
-            </a:r>
-          </a:p>
-          <a:p>
-            <a:pPr>
-              <a:lnSpc>
-                <a:spcPct val="60000"/>
-              </a:lnSpc>
-            </a:pPr>
-            <a:endParaRPr lang="en-US" sz="1400" dirty="0">
-              <a:latin typeface="Arial"/>
-              <a:cs typeface="Arial"/>
-            </a:endParaRPr>
-          </a:p>
-          <a:p>
-            <a:pPr>
-              <a:lnSpc>
-                <a:spcPct val="60000"/>
-              </a:lnSpc>
-            </a:pPr>
-            <a:r>
-              <a:rPr lang="en-US" sz="1400" dirty="0">
-                <a:latin typeface="Arial"/>
-                <a:cs typeface="Arial"/>
-              </a:rPr>
-              <a:t>4.   snake</a:t>
-            </a:r>
-          </a:p>
-          <a:p>
-            <a:pPr>
-              <a:lnSpc>
-                <a:spcPct val="60000"/>
-              </a:lnSpc>
-            </a:pPr>
-            <a:endParaRPr lang="en-US" sz="1400" dirty="0">
-              <a:latin typeface="Arial"/>
-              <a:cs typeface="Arial"/>
-            </a:endParaRPr>
-          </a:p>
-          <a:p>
-            <a:pPr>
-              <a:lnSpc>
-                <a:spcPct val="60000"/>
-              </a:lnSpc>
-            </a:pPr>
-            <a:r>
-              <a:rPr lang="en-US" sz="1400" dirty="0">
-                <a:latin typeface="Arial"/>
-                <a:cs typeface="Arial"/>
-              </a:rPr>
-              <a:t>5.   checkers</a:t>
-            </a:r>
-          </a:p>
-          <a:p>
-            <a:pPr>
-              <a:lnSpc>
-                <a:spcPct val="60000"/>
-              </a:lnSpc>
-            </a:pPr>
-            <a:endParaRPr lang="en-US" sz="1400" dirty="0">
-              <a:latin typeface="Arial"/>
-              <a:cs typeface="Arial"/>
-            </a:endParaRPr>
-          </a:p>
-          <a:p>
-            <a:pPr>
-              <a:lnSpc>
-                <a:spcPct val="60000"/>
-              </a:lnSpc>
-            </a:pPr>
-            <a:r>
-              <a:rPr lang="en-US" sz="1400" dirty="0">
-                <a:latin typeface="Arial"/>
-                <a:cs typeface="Arial"/>
-              </a:rPr>
-              <a:t>6.   battleship</a:t>
-            </a:r>
-          </a:p>
-          <a:p>
-            <a:pPr>
-              <a:lnSpc>
-                <a:spcPct val="60000"/>
-              </a:lnSpc>
-            </a:pPr>
-            <a:endParaRPr lang="en-US" sz="1400" dirty="0">
-              <a:latin typeface="Arial"/>
-              <a:cs typeface="Arial"/>
-            </a:endParaRPr>
-          </a:p>
-          <a:p>
-            <a:pPr>
-              <a:lnSpc>
-                <a:spcPct val="60000"/>
-              </a:lnSpc>
-            </a:pPr>
-            <a:r>
-              <a:rPr lang="en-US" sz="1400" dirty="0">
-                <a:latin typeface="Arial"/>
-                <a:cs typeface="Arial"/>
-              </a:rPr>
-              <a:t>7.   natural sort</a:t>
-            </a:r>
-          </a:p>
-          <a:p>
-            <a:pPr>
-              <a:lnSpc>
-                <a:spcPct val="60000"/>
-              </a:lnSpc>
-            </a:pPr>
-            <a:endParaRPr lang="en-US" sz="1400" dirty="0">
-              <a:latin typeface="Arial"/>
-              <a:cs typeface="Arial"/>
-            </a:endParaRPr>
-          </a:p>
-          <a:p>
-            <a:pPr>
-              <a:lnSpc>
-                <a:spcPct val="60000"/>
-              </a:lnSpc>
-            </a:pPr>
-            <a:r>
-              <a:rPr lang="en-US" sz="1400" dirty="0">
-                <a:latin typeface="Arial"/>
-                <a:cs typeface="Arial"/>
-              </a:rPr>
-              <a:t>8.   family tree</a:t>
-            </a:r>
-          </a:p>
-          <a:p>
-            <a:pPr>
-              <a:lnSpc>
-                <a:spcPct val="60000"/>
-              </a:lnSpc>
-            </a:pPr>
-            <a:endParaRPr lang="en-US" sz="1400" dirty="0">
-              <a:latin typeface="Arial"/>
-              <a:cs typeface="Arial"/>
-            </a:endParaRPr>
-          </a:p>
-          <a:p>
-            <a:pPr>
-              <a:lnSpc>
-                <a:spcPct val="60000"/>
-              </a:lnSpc>
-            </a:pPr>
-            <a:r>
-              <a:rPr lang="en-US" sz="1400" dirty="0">
-                <a:latin typeface="Arial"/>
-                <a:cs typeface="Arial"/>
-              </a:rPr>
-              <a:t>9.   Shopping </a:t>
-            </a:r>
-            <a:r>
-              <a:rPr lang="en-US" sz="1400" dirty="0" smtClean="0">
-                <a:latin typeface="Arial"/>
-                <a:cs typeface="Arial"/>
-              </a:rPr>
-              <a:t>receipt</a:t>
-            </a:r>
-            <a:endParaRPr lang="en-US" sz="1400" dirty="0">
-              <a:latin typeface="Arial"/>
-              <a:cs typeface="Arial"/>
-            </a:endParaRPr>
-          </a:p>
-          <a:p>
-            <a:pPr>
-              <a:lnSpc>
-                <a:spcPct val="60000"/>
-              </a:lnSpc>
-            </a:pPr>
-            <a:endParaRPr lang="en-US" sz="1400" dirty="0">
-              <a:latin typeface="Arial"/>
-              <a:cs typeface="Arial"/>
-            </a:endParaRPr>
-          </a:p>
-          <a:p>
-            <a:pPr>
-              <a:lnSpc>
-                <a:spcPct val="60000"/>
-              </a:lnSpc>
-            </a:pPr>
-            <a:r>
-              <a:rPr lang="en-US" sz="1400" dirty="0">
-                <a:latin typeface="Arial"/>
-                <a:cs typeface="Arial"/>
-              </a:rPr>
-              <a:t>10.       Anagrams</a:t>
-            </a:r>
-          </a:p>
-          <a:p>
-            <a:pPr>
-              <a:lnSpc>
-                <a:spcPct val="60000"/>
-              </a:lnSpc>
-            </a:pPr>
-            <a:endParaRPr lang="en-US" sz="1400" dirty="0">
-              <a:latin typeface="Arial"/>
-              <a:cs typeface="Arial"/>
-            </a:endParaRPr>
-          </a:p>
-          <a:p>
-            <a:pPr>
-              <a:lnSpc>
-                <a:spcPct val="60000"/>
-              </a:lnSpc>
-            </a:pPr>
-            <a:r>
-              <a:rPr lang="en-US" sz="1400" dirty="0">
-                <a:latin typeface="Arial"/>
-                <a:cs typeface="Arial"/>
-              </a:rPr>
-              <a:t>11.       Bank account</a:t>
-            </a:r>
+            <a:pPr algn="ctr"/>
+            <a:r>
+              <a:rPr lang="en-US" sz="6600" dirty="0"/>
+              <a:t>Writing </a:t>
+            </a:r>
+            <a:r>
+              <a:rPr lang="en-US" sz="6600" dirty="0" smtClean="0"/>
+              <a:t>scenarios</a:t>
+            </a:r>
+            <a:endParaRPr lang="en-US" sz="6600" dirty="0"/>
+          </a:p>
+        </p:txBody>
+      </p:sp>
+      <p:sp>
+        <p:nvSpPr>
+          <p:cNvPr id="3" name="TextBox 2"/>
+          <p:cNvSpPr txBox="1"/>
+          <p:nvPr/>
+        </p:nvSpPr>
+        <p:spPr>
+          <a:xfrm>
+            <a:off x="7772400" y="4400550"/>
+            <a:ext cx="1302535" cy="646331"/>
+          </a:xfrm>
+          <a:prstGeom prst="rect">
+            <a:avLst/>
+          </a:prstGeom>
+          <a:noFill/>
+        </p:spPr>
+        <p:txBody>
+          <a:bodyPr wrap="none" rtlCol="0">
+            <a:spAutoFit/>
+          </a:bodyPr>
+          <a:lstStyle/>
+          <a:p>
+            <a:pPr algn="r"/>
+            <a:r>
+              <a:rPr lang="en-US" sz="3600" b="1" dirty="0" smtClean="0"/>
+              <a:t>Paper</a:t>
+            </a:r>
+            <a:endParaRPr lang="en-US" b="1" dirty="0"/>
           </a:p>
         </p:txBody>
       </p:sp>
     </p:spTree>
     <p:extLst>
       <p:ext uri="{BB962C8B-B14F-4D97-AF65-F5344CB8AC3E}">
-        <p14:creationId xmlns:p14="http://schemas.microsoft.com/office/powerpoint/2010/main" val="2575930486"/>
+        <p14:creationId xmlns:p14="http://schemas.microsoft.com/office/powerpoint/2010/main" val="1825359632"/>
       </p:ext>
     </p:extLst>
   </p:cSld>
@@ -5462,77 +5265,334 @@
       </p:grpSpPr>
       <p:sp>
         <p:nvSpPr>
-          <p:cNvPr id="2" name="Title 1"/>
+          <p:cNvPr id="3" name="Subtitle 2"/>
           <p:cNvSpPr>
             <a:spLocks noGrp="1"/>
           </p:cNvSpPr>
           <p:nvPr>
-            <p:ph type="ctrTitle"/>
-          </p:nvPr>
-        </p:nvSpPr>
-        <p:spPr>
-          <a:xfrm>
-            <a:off x="0" y="0"/>
-            <a:ext cx="9144000" cy="5143500"/>
-          </a:xfrm>
-        </p:spPr>
-        <p:txBody>
-          <a:bodyPr anchor="ctr">
-            <a:normAutofit/>
+            <p:ph type="subTitle" idx="1"/>
+          </p:nvPr>
+        </p:nvSpPr>
+        <p:spPr>
+          <a:xfrm>
+            <a:off x="685800" y="285750"/>
+            <a:ext cx="6400800" cy="4191000"/>
+          </a:xfrm>
+        </p:spPr>
+        <p:txBody>
+          <a:bodyPr>
+            <a:noAutofit/>
           </a:bodyPr>
           <a:lstStyle/>
           <a:p>
-            <a:pPr algn="ctr"/>
-            <a:r>
-              <a:rPr lang="en-US" sz="6600" dirty="0"/>
-              <a:t>Transforming scenarios to steps</a:t>
-            </a:r>
-            <a:br>
-              <a:rPr lang="en-US" sz="6600" dirty="0"/>
-            </a:br>
-            <a:endParaRPr lang="en-US" sz="6600" dirty="0"/>
-          </a:p>
-        </p:txBody>
-      </p:sp>
-      <p:sp>
-        <p:nvSpPr>
-          <p:cNvPr id="3" name="TextBox 2"/>
-          <p:cNvSpPr txBox="1"/>
-          <p:nvPr/>
-        </p:nvSpPr>
-        <p:spPr>
-          <a:xfrm>
-            <a:off x="6363961" y="4400550"/>
-            <a:ext cx="2710974" cy="646331"/>
-          </a:xfrm>
-          <a:prstGeom prst="rect">
-            <a:avLst/>
-          </a:prstGeom>
-          <a:noFill/>
-        </p:spPr>
-        <p:txBody>
-          <a:bodyPr wrap="none" rtlCol="0">
-            <a:spAutoFit/>
-          </a:bodyPr>
-          <a:lstStyle/>
-          <a:p>
-            <a:pPr algn="r"/>
-            <a:r>
-              <a:rPr lang="en-US" sz="3600" b="1" dirty="0" smtClean="0"/>
-              <a:t>Code</a:t>
-            </a:r>
-            <a:r>
-              <a:rPr lang="en-US" sz="3600" b="1" smtClean="0"/>
-              <a:t>/Google</a:t>
-            </a:r>
-            <a:endParaRPr lang="en-US" b="1" dirty="0"/>
+            <a:pPr>
+              <a:lnSpc>
+                <a:spcPct val="60000"/>
+              </a:lnSpc>
+            </a:pPr>
+            <a:r>
+              <a:rPr lang="en-US" sz="1400" dirty="0">
+                <a:latin typeface="Arial"/>
+                <a:cs typeface="Arial"/>
+              </a:rPr>
+              <a:t>1.   Minesweeper</a:t>
+            </a:r>
+          </a:p>
+          <a:p>
+            <a:pPr>
+              <a:lnSpc>
+                <a:spcPct val="60000"/>
+              </a:lnSpc>
+            </a:pPr>
+            <a:endParaRPr lang="en-US" sz="1400" dirty="0">
+              <a:latin typeface="Arial"/>
+              <a:cs typeface="Arial"/>
+            </a:endParaRPr>
+          </a:p>
+          <a:p>
+            <a:pPr>
+              <a:lnSpc>
+                <a:spcPct val="60000"/>
+              </a:lnSpc>
+            </a:pPr>
+            <a:r>
+              <a:rPr lang="en-US" sz="1400" dirty="0">
+                <a:latin typeface="Arial"/>
+                <a:cs typeface="Arial"/>
+              </a:rPr>
+              <a:t>2.   </a:t>
+            </a:r>
+            <a:r>
+              <a:rPr lang="en-US" sz="1400" dirty="0" err="1">
+                <a:latin typeface="Arial"/>
+                <a:cs typeface="Arial"/>
+              </a:rPr>
+              <a:t>othello</a:t>
+            </a:r>
+            <a:r>
+              <a:rPr lang="en-US" sz="1400" dirty="0">
+                <a:latin typeface="Arial"/>
+                <a:cs typeface="Arial"/>
+              </a:rPr>
+              <a:t> (</a:t>
+            </a:r>
+            <a:r>
+              <a:rPr lang="en-US" sz="1400" dirty="0" err="1">
+                <a:latin typeface="Arial"/>
+                <a:cs typeface="Arial"/>
+              </a:rPr>
+              <a:t>reversi</a:t>
+            </a:r>
+            <a:r>
+              <a:rPr lang="en-US" sz="1400" dirty="0">
+                <a:latin typeface="Arial"/>
+                <a:cs typeface="Arial"/>
+              </a:rPr>
+              <a:t>)</a:t>
+            </a:r>
+          </a:p>
+          <a:p>
+            <a:pPr>
+              <a:lnSpc>
+                <a:spcPct val="60000"/>
+              </a:lnSpc>
+            </a:pPr>
+            <a:endParaRPr lang="en-US" sz="1400" dirty="0">
+              <a:latin typeface="Arial"/>
+              <a:cs typeface="Arial"/>
+            </a:endParaRPr>
+          </a:p>
+          <a:p>
+            <a:pPr>
+              <a:lnSpc>
+                <a:spcPct val="60000"/>
+              </a:lnSpc>
+            </a:pPr>
+            <a:r>
+              <a:rPr lang="en-US" sz="1400" dirty="0">
+                <a:latin typeface="Arial"/>
+                <a:cs typeface="Arial"/>
+              </a:rPr>
+              <a:t>3.   chess</a:t>
+            </a:r>
+          </a:p>
+          <a:p>
+            <a:pPr>
+              <a:lnSpc>
+                <a:spcPct val="60000"/>
+              </a:lnSpc>
+            </a:pPr>
+            <a:endParaRPr lang="en-US" sz="1400" dirty="0">
+              <a:latin typeface="Arial"/>
+              <a:cs typeface="Arial"/>
+            </a:endParaRPr>
+          </a:p>
+          <a:p>
+            <a:pPr>
+              <a:lnSpc>
+                <a:spcPct val="60000"/>
+              </a:lnSpc>
+            </a:pPr>
+            <a:r>
+              <a:rPr lang="en-US" sz="1400" dirty="0">
+                <a:latin typeface="Arial"/>
+                <a:cs typeface="Arial"/>
+              </a:rPr>
+              <a:t>4.   snake</a:t>
+            </a:r>
+          </a:p>
+          <a:p>
+            <a:pPr>
+              <a:lnSpc>
+                <a:spcPct val="60000"/>
+              </a:lnSpc>
+            </a:pPr>
+            <a:endParaRPr lang="en-US" sz="1400" dirty="0">
+              <a:latin typeface="Arial"/>
+              <a:cs typeface="Arial"/>
+            </a:endParaRPr>
+          </a:p>
+          <a:p>
+            <a:pPr>
+              <a:lnSpc>
+                <a:spcPct val="60000"/>
+              </a:lnSpc>
+            </a:pPr>
+            <a:r>
+              <a:rPr lang="en-US" sz="1400" dirty="0">
+                <a:latin typeface="Arial"/>
+                <a:cs typeface="Arial"/>
+              </a:rPr>
+              <a:t>5.   checkers</a:t>
+            </a:r>
+          </a:p>
+          <a:p>
+            <a:pPr>
+              <a:lnSpc>
+                <a:spcPct val="60000"/>
+              </a:lnSpc>
+            </a:pPr>
+            <a:endParaRPr lang="en-US" sz="1400" dirty="0">
+              <a:latin typeface="Arial"/>
+              <a:cs typeface="Arial"/>
+            </a:endParaRPr>
+          </a:p>
+          <a:p>
+            <a:pPr>
+              <a:lnSpc>
+                <a:spcPct val="60000"/>
+              </a:lnSpc>
+            </a:pPr>
+            <a:r>
+              <a:rPr lang="en-US" sz="1400" dirty="0">
+                <a:latin typeface="Arial"/>
+                <a:cs typeface="Arial"/>
+              </a:rPr>
+              <a:t>6.   battleship</a:t>
+            </a:r>
+          </a:p>
+          <a:p>
+            <a:pPr>
+              <a:lnSpc>
+                <a:spcPct val="60000"/>
+              </a:lnSpc>
+            </a:pPr>
+            <a:endParaRPr lang="en-US" sz="1400" dirty="0">
+              <a:latin typeface="Arial"/>
+              <a:cs typeface="Arial"/>
+            </a:endParaRPr>
+          </a:p>
+          <a:p>
+            <a:pPr>
+              <a:lnSpc>
+                <a:spcPct val="60000"/>
+              </a:lnSpc>
+            </a:pPr>
+            <a:r>
+              <a:rPr lang="en-US" sz="1400" dirty="0">
+                <a:latin typeface="Arial"/>
+                <a:cs typeface="Arial"/>
+              </a:rPr>
+              <a:t>7.   natural sort</a:t>
+            </a:r>
+          </a:p>
+          <a:p>
+            <a:pPr>
+              <a:lnSpc>
+                <a:spcPct val="60000"/>
+              </a:lnSpc>
+            </a:pPr>
+            <a:endParaRPr lang="en-US" sz="1400" dirty="0">
+              <a:latin typeface="Arial"/>
+              <a:cs typeface="Arial"/>
+            </a:endParaRPr>
+          </a:p>
+          <a:p>
+            <a:pPr>
+              <a:lnSpc>
+                <a:spcPct val="60000"/>
+              </a:lnSpc>
+            </a:pPr>
+            <a:r>
+              <a:rPr lang="en-US" sz="1400" dirty="0">
+                <a:latin typeface="Arial"/>
+                <a:cs typeface="Arial"/>
+              </a:rPr>
+              <a:t>8.   family tree</a:t>
+            </a:r>
+          </a:p>
+          <a:p>
+            <a:pPr>
+              <a:lnSpc>
+                <a:spcPct val="60000"/>
+              </a:lnSpc>
+            </a:pPr>
+            <a:endParaRPr lang="en-US" sz="1400" dirty="0">
+              <a:latin typeface="Arial"/>
+              <a:cs typeface="Arial"/>
+            </a:endParaRPr>
+          </a:p>
+          <a:p>
+            <a:pPr>
+              <a:lnSpc>
+                <a:spcPct val="60000"/>
+              </a:lnSpc>
+            </a:pPr>
+            <a:r>
+              <a:rPr lang="en-US" sz="1400" dirty="0">
+                <a:latin typeface="Arial"/>
+                <a:cs typeface="Arial"/>
+              </a:rPr>
+              <a:t>9.   Shopping </a:t>
+            </a:r>
+            <a:r>
+              <a:rPr lang="en-US" sz="1400" dirty="0" smtClean="0">
+                <a:latin typeface="Arial"/>
+                <a:cs typeface="Arial"/>
+              </a:rPr>
+              <a:t>receipt</a:t>
+            </a:r>
+            <a:endParaRPr lang="en-US" sz="1400" dirty="0">
+              <a:latin typeface="Arial"/>
+              <a:cs typeface="Arial"/>
+            </a:endParaRPr>
+          </a:p>
+          <a:p>
+            <a:pPr>
+              <a:lnSpc>
+                <a:spcPct val="60000"/>
+              </a:lnSpc>
+            </a:pPr>
+            <a:endParaRPr lang="en-US" sz="1400" dirty="0">
+              <a:latin typeface="Arial"/>
+              <a:cs typeface="Arial"/>
+            </a:endParaRPr>
+          </a:p>
+          <a:p>
+            <a:pPr>
+              <a:lnSpc>
+                <a:spcPct val="60000"/>
+              </a:lnSpc>
+            </a:pPr>
+            <a:r>
+              <a:rPr lang="en-US" sz="1400" dirty="0">
+                <a:latin typeface="Arial"/>
+                <a:cs typeface="Arial"/>
+              </a:rPr>
+              <a:t>10.       Anagrams</a:t>
+            </a:r>
+          </a:p>
+          <a:p>
+            <a:pPr>
+              <a:lnSpc>
+                <a:spcPct val="60000"/>
+              </a:lnSpc>
+            </a:pPr>
+            <a:endParaRPr lang="en-US" sz="1400" dirty="0">
+              <a:latin typeface="Arial"/>
+              <a:cs typeface="Arial"/>
+            </a:endParaRPr>
+          </a:p>
+          <a:p>
+            <a:pPr>
+              <a:lnSpc>
+                <a:spcPct val="60000"/>
+              </a:lnSpc>
+            </a:pPr>
+            <a:r>
+              <a:rPr lang="en-US" sz="1400" dirty="0">
+                <a:latin typeface="Arial"/>
+                <a:cs typeface="Arial"/>
+              </a:rPr>
+              <a:t>11.       Bank account</a:t>
+            </a:r>
           </a:p>
         </p:txBody>
       </p:sp>
     </p:spTree>
     <p:extLst>
       <p:ext uri="{BB962C8B-B14F-4D97-AF65-F5344CB8AC3E}">
-        <p14:creationId xmlns:p14="http://schemas.microsoft.com/office/powerpoint/2010/main" val="137478095"/>
+        <p14:creationId xmlns:p14="http://schemas.microsoft.com/office/powerpoint/2010/main" val="2575930486"/>
       </p:ext>
     </p:extLst>
   </p:cSld>
@@ -5590,9 +5650,12 @@
           <a:p>
             <a:pPr algn="ctr"/>
             <a:r>
-              <a:rPr lang="en-US" sz="6600" dirty="0" smtClean="0"/>
-              <a:t>Crafting thru tests</a:t>
-            </a:r>
+              <a:rPr lang="en-US" sz="6600" dirty="0"/>
+              <a:t>Transforming scenarios to steps</a:t>
+            </a:r>
+            <a:br>
+              <a:rPr lang="en-US" sz="6600" dirty="0"/>
+            </a:br>
             <a:endParaRPr lang="en-US" sz="6600" dirty="0"/>
           </a:p>
         </p:txBody>
@@ -5605,8 +5668,8 @@
         </p:nvSpPr>
         <p:spPr>
           <a:xfrm>
-            <a:off x="7743095" y="4400550"/>
-            <a:ext cx="1331840" cy="646331"/>
+            <a:off x="6363961" y="4400550"/>
+            <a:ext cx="2710974" cy="646331"/>
           </a:xfrm>
           <a:prstGeom prst="rect">
             <a:avLst/>
@@ -5622,7 +5685,7 @@
             <a:pPr algn="r"/>
             <a:r>
               <a:rPr lang="en-US" sz="3600" b="1" dirty="0" smtClean="0"/>
-              <a:t>Demo</a:t>
+              <a:t>Code/Google</a:t>
             </a:r>
             <a:endParaRPr lang="en-US" b="1" dirty="0"/>
           </a:p>
@@ -5631,7 +5694,7 @@
     </p:spTree>
     <p:extLst>
       <p:ext uri="{BB962C8B-B14F-4D97-AF65-F5344CB8AC3E}">
-        <p14:creationId xmlns:p14="http://schemas.microsoft.com/office/powerpoint/2010/main" val="435286874"/>
+        <p14:creationId xmlns:p14="http://schemas.microsoft.com/office/powerpoint/2010/main" val="137478095"/>
       </p:ext>
     </p:extLst>
   </p:cSld>
